--- a/Report & PPT/Project Work/Ppt/Contribution.pptx
+++ b/Report & PPT/Project Work/Ppt/Contribution.pptx
@@ -106,6 +106,11 @@
       </a:defRPr>
     </a:lvl9pPr>
   </p:defaultTextStyle>
+  <p:extLst>
+    <p:ext uri="{EFAFB233-063F-42B5-8137-9DF3F51BA10A}">
+      <p15:sldGuideLst xmlns:p15="http://schemas.microsoft.com/office/powerpoint/2012/main"/>
+    </p:ext>
+  </p:extLst>
 </p:presentation>
 </file>
 
@@ -256,7 +261,7 @@
           <a:p>
             <a:fld id="{41B66D93-3C06-4856-84E8-54509ED0637D}" type="datetimeFigureOut">
               <a:rPr lang="en-US" smtClean="0"/>
-              <a:t>28-Oct-24</a:t>
+              <a:t>29-Oct-24</a:t>
             </a:fld>
             <a:endParaRPr lang="en-US"/>
           </a:p>
@@ -454,7 +459,7 @@
           <a:p>
             <a:fld id="{41B66D93-3C06-4856-84E8-54509ED0637D}" type="datetimeFigureOut">
               <a:rPr lang="en-US" smtClean="0"/>
-              <a:t>28-Oct-24</a:t>
+              <a:t>29-Oct-24</a:t>
             </a:fld>
             <a:endParaRPr lang="en-US"/>
           </a:p>
@@ -662,7 +667,7 @@
           <a:p>
             <a:fld id="{41B66D93-3C06-4856-84E8-54509ED0637D}" type="datetimeFigureOut">
               <a:rPr lang="en-US" smtClean="0"/>
-              <a:t>28-Oct-24</a:t>
+              <a:t>29-Oct-24</a:t>
             </a:fld>
             <a:endParaRPr lang="en-US"/>
           </a:p>
@@ -860,7 +865,7 @@
           <a:p>
             <a:fld id="{41B66D93-3C06-4856-84E8-54509ED0637D}" type="datetimeFigureOut">
               <a:rPr lang="en-US" smtClean="0"/>
-              <a:t>28-Oct-24</a:t>
+              <a:t>29-Oct-24</a:t>
             </a:fld>
             <a:endParaRPr lang="en-US"/>
           </a:p>
@@ -1135,7 +1140,7 @@
           <a:p>
             <a:fld id="{41B66D93-3C06-4856-84E8-54509ED0637D}" type="datetimeFigureOut">
               <a:rPr lang="en-US" smtClean="0"/>
-              <a:t>28-Oct-24</a:t>
+              <a:t>29-Oct-24</a:t>
             </a:fld>
             <a:endParaRPr lang="en-US"/>
           </a:p>
@@ -1400,7 +1405,7 @@
           <a:p>
             <a:fld id="{41B66D93-3C06-4856-84E8-54509ED0637D}" type="datetimeFigureOut">
               <a:rPr lang="en-US" smtClean="0"/>
-              <a:t>28-Oct-24</a:t>
+              <a:t>29-Oct-24</a:t>
             </a:fld>
             <a:endParaRPr lang="en-US"/>
           </a:p>
@@ -1812,7 +1817,7 @@
           <a:p>
             <a:fld id="{41B66D93-3C06-4856-84E8-54509ED0637D}" type="datetimeFigureOut">
               <a:rPr lang="en-US" smtClean="0"/>
-              <a:t>28-Oct-24</a:t>
+              <a:t>29-Oct-24</a:t>
             </a:fld>
             <a:endParaRPr lang="en-US"/>
           </a:p>
@@ -1953,7 +1958,7 @@
           <a:p>
             <a:fld id="{41B66D93-3C06-4856-84E8-54509ED0637D}" type="datetimeFigureOut">
               <a:rPr lang="en-US" smtClean="0"/>
-              <a:t>28-Oct-24</a:t>
+              <a:t>29-Oct-24</a:t>
             </a:fld>
             <a:endParaRPr lang="en-US"/>
           </a:p>
@@ -2066,7 +2071,7 @@
           <a:p>
             <a:fld id="{41B66D93-3C06-4856-84E8-54509ED0637D}" type="datetimeFigureOut">
               <a:rPr lang="en-US" smtClean="0"/>
-              <a:t>28-Oct-24</a:t>
+              <a:t>29-Oct-24</a:t>
             </a:fld>
             <a:endParaRPr lang="en-US"/>
           </a:p>
@@ -2377,7 +2382,7 @@
           <a:p>
             <a:fld id="{41B66D93-3C06-4856-84E8-54509ED0637D}" type="datetimeFigureOut">
               <a:rPr lang="en-US" smtClean="0"/>
-              <a:t>28-Oct-24</a:t>
+              <a:t>29-Oct-24</a:t>
             </a:fld>
             <a:endParaRPr lang="en-US"/>
           </a:p>
@@ -2665,7 +2670,7 @@
           <a:p>
             <a:fld id="{41B66D93-3C06-4856-84E8-54509ED0637D}" type="datetimeFigureOut">
               <a:rPr lang="en-US" smtClean="0"/>
-              <a:t>28-Oct-24</a:t>
+              <a:t>29-Oct-24</a:t>
             </a:fld>
             <a:endParaRPr lang="en-US"/>
           </a:p>
@@ -2742,9 +2747,19 @@
 <p:sldMaster xmlns:a="http://schemas.openxmlformats.org/drawingml/2006/main" xmlns:r="http://schemas.openxmlformats.org/officeDocument/2006/relationships" xmlns:p="http://schemas.openxmlformats.org/presentationml/2006/main">
   <p:cSld>
     <p:bg>
-      <p:bgRef idx="1001">
-        <a:schemeClr val="bg1"/>
-      </p:bgRef>
+      <p:bgPr>
+        <a:blipFill dpi="0" rotWithShape="1">
+          <a:blip r:embed="rId13">
+            <a:alphaModFix amt="62000"/>
+            <a:lum/>
+          </a:blip>
+          <a:srcRect/>
+          <a:stretch>
+            <a:fillRect t="21000" b="21000"/>
+          </a:stretch>
+        </a:blipFill>
+        <a:effectLst/>
+      </p:bgPr>
     </p:bg>
     <p:spTree>
       <p:nvGrpSpPr>
@@ -2906,7 +2921,7 @@
           <a:p>
             <a:fld id="{41B66D93-3C06-4856-84E8-54509ED0637D}" type="datetimeFigureOut">
               <a:rPr lang="en-US" smtClean="0"/>
-              <a:t>28-Oct-24</a:t>
+              <a:t>29-Oct-24</a:t>
             </a:fld>
             <a:endParaRPr lang="en-US"/>
           </a:p>
